--- a/imgs/cnn.pptx
+++ b/imgs/cnn.pptx
@@ -2,12 +2,12 @@
 <file path=ppt/presentation.xml><?xml version="1.0" encoding="utf-8"?>
 <p:presentation xmlns:a="http://schemas.openxmlformats.org/drawingml/2006/main" xmlns:r="http://schemas.openxmlformats.org/officeDocument/2006/relationships" xmlns:p="http://schemas.openxmlformats.org/presentationml/2006/main" saveSubsetFonts="1">
   <p:sldMasterIdLst>
-    <p:sldMasterId id="2147483732" r:id="rId1"/>
+    <p:sldMasterId id="2147483756" r:id="rId1"/>
   </p:sldMasterIdLst>
   <p:sldIdLst>
     <p:sldId id="256" r:id="rId2"/>
   </p:sldIdLst>
-  <p:sldSz cx="8869363" cy="3200400"/>
+  <p:sldSz cx="8229600" cy="2286000"/>
   <p:notesSz cx="6858000" cy="9144000"/>
   <p:defaultTextStyle>
     <a:defPPr>
@@ -141,15 +141,15 @@
         </p:nvSpPr>
         <p:spPr>
           <a:xfrm>
-            <a:off x="1108671" y="523770"/>
-            <a:ext cx="6652022" cy="1114213"/>
+            <a:off x="1028700" y="374121"/>
+            <a:ext cx="6172200" cy="795867"/>
           </a:xfrm>
         </p:spPr>
         <p:txBody>
           <a:bodyPr anchor="b"/>
           <a:lstStyle>
             <a:lvl1pPr algn="ctr">
-              <a:defRPr sz="2800"/>
+              <a:defRPr sz="2000"/>
             </a:lvl1pPr>
           </a:lstStyle>
           <a:p>
@@ -173,8 +173,8 @@
         </p:nvSpPr>
         <p:spPr>
           <a:xfrm>
-            <a:off x="1108671" y="1680951"/>
-            <a:ext cx="6652022" cy="772689"/>
+            <a:off x="1028700" y="1200679"/>
+            <a:ext cx="6172200" cy="551921"/>
           </a:xfrm>
         </p:spPr>
         <p:txBody>
@@ -182,39 +182,39 @@
           <a:lstStyle>
             <a:lvl1pPr marL="0" indent="0" algn="ctr">
               <a:buNone/>
-              <a:defRPr sz="1120"/>
+              <a:defRPr sz="800"/>
             </a:lvl1pPr>
-            <a:lvl2pPr marL="213375" indent="0" algn="ctr">
-              <a:buNone/>
-              <a:defRPr sz="933"/>
+            <a:lvl2pPr marL="152385" indent="0" algn="ctr">
+              <a:buNone/>
+              <a:defRPr sz="667"/>
             </a:lvl2pPr>
-            <a:lvl3pPr marL="426750" indent="0" algn="ctr">
-              <a:buNone/>
-              <a:defRPr sz="840"/>
+            <a:lvl3pPr marL="304770" indent="0" algn="ctr">
+              <a:buNone/>
+              <a:defRPr sz="600"/>
             </a:lvl3pPr>
-            <a:lvl4pPr marL="640126" indent="0" algn="ctr">
-              <a:buNone/>
-              <a:defRPr sz="747"/>
+            <a:lvl4pPr marL="457154" indent="0" algn="ctr">
+              <a:buNone/>
+              <a:defRPr sz="533"/>
             </a:lvl4pPr>
-            <a:lvl5pPr marL="853501" indent="0" algn="ctr">
-              <a:buNone/>
-              <a:defRPr sz="747"/>
+            <a:lvl5pPr marL="609539" indent="0" algn="ctr">
+              <a:buNone/>
+              <a:defRPr sz="533"/>
             </a:lvl5pPr>
-            <a:lvl6pPr marL="1066876" indent="0" algn="ctr">
-              <a:buNone/>
-              <a:defRPr sz="747"/>
+            <a:lvl6pPr marL="761924" indent="0" algn="ctr">
+              <a:buNone/>
+              <a:defRPr sz="533"/>
             </a:lvl6pPr>
-            <a:lvl7pPr marL="1280251" indent="0" algn="ctr">
-              <a:buNone/>
-              <a:defRPr sz="747"/>
+            <a:lvl7pPr marL="914309" indent="0" algn="ctr">
+              <a:buNone/>
+              <a:defRPr sz="533"/>
             </a:lvl7pPr>
-            <a:lvl8pPr marL="1493627" indent="0" algn="ctr">
-              <a:buNone/>
-              <a:defRPr sz="747"/>
+            <a:lvl8pPr marL="1066693" indent="0" algn="ctr">
+              <a:buNone/>
+              <a:defRPr sz="533"/>
             </a:lvl8pPr>
-            <a:lvl9pPr marL="1707002" indent="0" algn="ctr">
-              <a:buNone/>
-              <a:defRPr sz="747"/>
+            <a:lvl9pPr marL="1219078" indent="0" algn="ctr">
+              <a:buNone/>
+              <a:defRPr sz="533"/>
             </a:lvl9pPr>
           </a:lstStyle>
           <a:p>
@@ -294,7 +294,7 @@
     </p:spTree>
     <p:extLst>
       <p:ext uri="{BB962C8B-B14F-4D97-AF65-F5344CB8AC3E}">
-        <p14:creationId xmlns:p14="http://schemas.microsoft.com/office/powerpoint/2010/main" val="306686361"/>
+        <p14:creationId xmlns:p14="http://schemas.microsoft.com/office/powerpoint/2010/main" val="4176340010"/>
       </p:ext>
     </p:extLst>
   </p:cSld>
@@ -464,7 +464,7 @@
     </p:spTree>
     <p:extLst>
       <p:ext uri="{BB962C8B-B14F-4D97-AF65-F5344CB8AC3E}">
-        <p14:creationId xmlns:p14="http://schemas.microsoft.com/office/powerpoint/2010/main" val="592965911"/>
+        <p14:creationId xmlns:p14="http://schemas.microsoft.com/office/powerpoint/2010/main" val="1723323836"/>
       </p:ext>
     </p:extLst>
   </p:cSld>
@@ -503,8 +503,8 @@
         </p:nvSpPr>
         <p:spPr>
           <a:xfrm>
-            <a:off x="6347138" y="170392"/>
-            <a:ext cx="1912456" cy="2712191"/>
+            <a:off x="5889307" y="121709"/>
+            <a:ext cx="1774508" cy="1937279"/>
           </a:xfrm>
         </p:spPr>
         <p:txBody>
@@ -531,8 +531,8 @@
         </p:nvSpPr>
         <p:spPr>
           <a:xfrm>
-            <a:off x="609769" y="170392"/>
-            <a:ext cx="5626502" cy="2712191"/>
+            <a:off x="565785" y="121709"/>
+            <a:ext cx="5220653" cy="1937279"/>
           </a:xfrm>
         </p:spPr>
         <p:txBody>
@@ -644,7 +644,7 @@
     </p:spTree>
     <p:extLst>
       <p:ext uri="{BB962C8B-B14F-4D97-AF65-F5344CB8AC3E}">
-        <p14:creationId xmlns:p14="http://schemas.microsoft.com/office/powerpoint/2010/main" val="2327994689"/>
+        <p14:creationId xmlns:p14="http://schemas.microsoft.com/office/powerpoint/2010/main" val="2747770049"/>
       </p:ext>
     </p:extLst>
   </p:cSld>
@@ -814,7 +814,7 @@
     </p:spTree>
     <p:extLst>
       <p:ext uri="{BB962C8B-B14F-4D97-AF65-F5344CB8AC3E}">
-        <p14:creationId xmlns:p14="http://schemas.microsoft.com/office/powerpoint/2010/main" val="2474964530"/>
+        <p14:creationId xmlns:p14="http://schemas.microsoft.com/office/powerpoint/2010/main" val="2511677141"/>
       </p:ext>
     </p:extLst>
   </p:cSld>
@@ -853,15 +853,15 @@
         </p:nvSpPr>
         <p:spPr>
           <a:xfrm>
-            <a:off x="605149" y="797878"/>
-            <a:ext cx="7649826" cy="1331277"/>
+            <a:off x="561499" y="569913"/>
+            <a:ext cx="7098030" cy="950912"/>
           </a:xfrm>
         </p:spPr>
         <p:txBody>
           <a:bodyPr anchor="b"/>
           <a:lstStyle>
             <a:lvl1pPr>
-              <a:defRPr sz="2800"/>
+              <a:defRPr sz="2000"/>
             </a:lvl1pPr>
           </a:lstStyle>
           <a:p>
@@ -885,8 +885,8 @@
         </p:nvSpPr>
         <p:spPr>
           <a:xfrm>
-            <a:off x="605149" y="2141750"/>
-            <a:ext cx="7649826" cy="700087"/>
+            <a:off x="561499" y="1529821"/>
+            <a:ext cx="7098030" cy="500062"/>
           </a:xfrm>
         </p:spPr>
         <p:txBody>
@@ -894,7 +894,7 @@
           <a:lstStyle>
             <a:lvl1pPr marL="0" indent="0">
               <a:buNone/>
-              <a:defRPr sz="1120">
+              <a:defRPr sz="800">
                 <a:solidFill>
                   <a:schemeClr val="tx1">
                     <a:tint val="75000"/>
@@ -902,9 +902,9 @@
                 </a:solidFill>
               </a:defRPr>
             </a:lvl1pPr>
-            <a:lvl2pPr marL="213375" indent="0">
-              <a:buNone/>
-              <a:defRPr sz="933">
+            <a:lvl2pPr marL="152385" indent="0">
+              <a:buNone/>
+              <a:defRPr sz="667">
                 <a:solidFill>
                   <a:schemeClr val="tx1">
                     <a:tint val="75000"/>
@@ -912,9 +912,9 @@
                 </a:solidFill>
               </a:defRPr>
             </a:lvl2pPr>
-            <a:lvl3pPr marL="426750" indent="0">
-              <a:buNone/>
-              <a:defRPr sz="840">
+            <a:lvl3pPr marL="304770" indent="0">
+              <a:buNone/>
+              <a:defRPr sz="600">
                 <a:solidFill>
                   <a:schemeClr val="tx1">
                     <a:tint val="75000"/>
@@ -922,9 +922,9 @@
                 </a:solidFill>
               </a:defRPr>
             </a:lvl3pPr>
-            <a:lvl4pPr marL="640126" indent="0">
-              <a:buNone/>
-              <a:defRPr sz="747">
+            <a:lvl4pPr marL="457154" indent="0">
+              <a:buNone/>
+              <a:defRPr sz="533">
                 <a:solidFill>
                   <a:schemeClr val="tx1">
                     <a:tint val="75000"/>
@@ -932,9 +932,9 @@
                 </a:solidFill>
               </a:defRPr>
             </a:lvl4pPr>
-            <a:lvl5pPr marL="853501" indent="0">
-              <a:buNone/>
-              <a:defRPr sz="747">
+            <a:lvl5pPr marL="609539" indent="0">
+              <a:buNone/>
+              <a:defRPr sz="533">
                 <a:solidFill>
                   <a:schemeClr val="tx1">
                     <a:tint val="75000"/>
@@ -942,9 +942,9 @@
                 </a:solidFill>
               </a:defRPr>
             </a:lvl5pPr>
-            <a:lvl6pPr marL="1066876" indent="0">
-              <a:buNone/>
-              <a:defRPr sz="747">
+            <a:lvl6pPr marL="761924" indent="0">
+              <a:buNone/>
+              <a:defRPr sz="533">
                 <a:solidFill>
                   <a:schemeClr val="tx1">
                     <a:tint val="75000"/>
@@ -952,9 +952,9 @@
                 </a:solidFill>
               </a:defRPr>
             </a:lvl6pPr>
-            <a:lvl7pPr marL="1280251" indent="0">
-              <a:buNone/>
-              <a:defRPr sz="747">
+            <a:lvl7pPr marL="914309" indent="0">
+              <a:buNone/>
+              <a:defRPr sz="533">
                 <a:solidFill>
                   <a:schemeClr val="tx1">
                     <a:tint val="75000"/>
@@ -962,9 +962,9 @@
                 </a:solidFill>
               </a:defRPr>
             </a:lvl7pPr>
-            <a:lvl8pPr marL="1493627" indent="0">
-              <a:buNone/>
-              <a:defRPr sz="747">
+            <a:lvl8pPr marL="1066693" indent="0">
+              <a:buNone/>
+              <a:defRPr sz="533">
                 <a:solidFill>
                   <a:schemeClr val="tx1">
                     <a:tint val="75000"/>
@@ -972,9 +972,9 @@
                 </a:solidFill>
               </a:defRPr>
             </a:lvl8pPr>
-            <a:lvl9pPr marL="1707002" indent="0">
-              <a:buNone/>
-              <a:defRPr sz="747">
+            <a:lvl9pPr marL="1219078" indent="0">
+              <a:buNone/>
+              <a:defRPr sz="533">
                 <a:solidFill>
                   <a:schemeClr val="tx1">
                     <a:tint val="75000"/>
@@ -1060,7 +1060,7 @@
     </p:spTree>
     <p:extLst>
       <p:ext uri="{BB962C8B-B14F-4D97-AF65-F5344CB8AC3E}">
-        <p14:creationId xmlns:p14="http://schemas.microsoft.com/office/powerpoint/2010/main" val="3672591741"/>
+        <p14:creationId xmlns:p14="http://schemas.microsoft.com/office/powerpoint/2010/main" val="3649220882"/>
       </p:ext>
     </p:extLst>
   </p:cSld>
@@ -1122,8 +1122,8 @@
         </p:nvSpPr>
         <p:spPr>
           <a:xfrm>
-            <a:off x="609769" y="851959"/>
-            <a:ext cx="3769479" cy="2030624"/>
+            <a:off x="565785" y="608542"/>
+            <a:ext cx="3497580" cy="1450446"/>
           </a:xfrm>
         </p:spPr>
         <p:txBody>
@@ -1179,8 +1179,8 @@
         </p:nvSpPr>
         <p:spPr>
           <a:xfrm>
-            <a:off x="4490115" y="851959"/>
-            <a:ext cx="3769479" cy="2030624"/>
+            <a:off x="4166235" y="608542"/>
+            <a:ext cx="3497580" cy="1450446"/>
           </a:xfrm>
         </p:spPr>
         <p:txBody>
@@ -1292,7 +1292,7 @@
     </p:spTree>
     <p:extLst>
       <p:ext uri="{BB962C8B-B14F-4D97-AF65-F5344CB8AC3E}">
-        <p14:creationId xmlns:p14="http://schemas.microsoft.com/office/powerpoint/2010/main" val="3299363545"/>
+        <p14:creationId xmlns:p14="http://schemas.microsoft.com/office/powerpoint/2010/main" val="949753551"/>
       </p:ext>
     </p:extLst>
   </p:cSld>
@@ -1331,8 +1331,8 @@
         </p:nvSpPr>
         <p:spPr>
           <a:xfrm>
-            <a:off x="610924" y="170392"/>
-            <a:ext cx="7649826" cy="618596"/>
+            <a:off x="566857" y="121709"/>
+            <a:ext cx="7098030" cy="441854"/>
           </a:xfrm>
         </p:spPr>
         <p:txBody>
@@ -1359,8 +1359,8 @@
         </p:nvSpPr>
         <p:spPr>
           <a:xfrm>
-            <a:off x="610924" y="784543"/>
-            <a:ext cx="3752156" cy="384492"/>
+            <a:off x="566857" y="560388"/>
+            <a:ext cx="3481506" cy="274637"/>
           </a:xfrm>
         </p:spPr>
         <p:txBody>
@@ -1368,39 +1368,39 @@
           <a:lstStyle>
             <a:lvl1pPr marL="0" indent="0">
               <a:buNone/>
-              <a:defRPr sz="1120" b="1"/>
+              <a:defRPr sz="800" b="1"/>
             </a:lvl1pPr>
-            <a:lvl2pPr marL="213375" indent="0">
-              <a:buNone/>
-              <a:defRPr sz="933" b="1"/>
+            <a:lvl2pPr marL="152385" indent="0">
+              <a:buNone/>
+              <a:defRPr sz="667" b="1"/>
             </a:lvl2pPr>
-            <a:lvl3pPr marL="426750" indent="0">
-              <a:buNone/>
-              <a:defRPr sz="840" b="1"/>
+            <a:lvl3pPr marL="304770" indent="0">
+              <a:buNone/>
+              <a:defRPr sz="600" b="1"/>
             </a:lvl3pPr>
-            <a:lvl4pPr marL="640126" indent="0">
-              <a:buNone/>
-              <a:defRPr sz="747" b="1"/>
+            <a:lvl4pPr marL="457154" indent="0">
+              <a:buNone/>
+              <a:defRPr sz="533" b="1"/>
             </a:lvl4pPr>
-            <a:lvl5pPr marL="853501" indent="0">
-              <a:buNone/>
-              <a:defRPr sz="747" b="1"/>
+            <a:lvl5pPr marL="609539" indent="0">
+              <a:buNone/>
+              <a:defRPr sz="533" b="1"/>
             </a:lvl5pPr>
-            <a:lvl6pPr marL="1066876" indent="0">
-              <a:buNone/>
-              <a:defRPr sz="747" b="1"/>
+            <a:lvl6pPr marL="761924" indent="0">
+              <a:buNone/>
+              <a:defRPr sz="533" b="1"/>
             </a:lvl6pPr>
-            <a:lvl7pPr marL="1280251" indent="0">
-              <a:buNone/>
-              <a:defRPr sz="747" b="1"/>
+            <a:lvl7pPr marL="914309" indent="0">
+              <a:buNone/>
+              <a:defRPr sz="533" b="1"/>
             </a:lvl7pPr>
-            <a:lvl8pPr marL="1493627" indent="0">
-              <a:buNone/>
-              <a:defRPr sz="747" b="1"/>
+            <a:lvl8pPr marL="1066693" indent="0">
+              <a:buNone/>
+              <a:defRPr sz="533" b="1"/>
             </a:lvl8pPr>
-            <a:lvl9pPr marL="1707002" indent="0">
-              <a:buNone/>
-              <a:defRPr sz="747" b="1"/>
+            <a:lvl9pPr marL="1219078" indent="0">
+              <a:buNone/>
+              <a:defRPr sz="533" b="1"/>
             </a:lvl9pPr>
           </a:lstStyle>
           <a:p>
@@ -1424,8 +1424,8 @@
         </p:nvSpPr>
         <p:spPr>
           <a:xfrm>
-            <a:off x="610924" y="1169035"/>
-            <a:ext cx="3752156" cy="1719474"/>
+            <a:off x="566857" y="835025"/>
+            <a:ext cx="3481506" cy="1228196"/>
           </a:xfrm>
         </p:spPr>
         <p:txBody>
@@ -1481,8 +1481,8 @@
         </p:nvSpPr>
         <p:spPr>
           <a:xfrm>
-            <a:off x="4490115" y="784543"/>
-            <a:ext cx="3770635" cy="384492"/>
+            <a:off x="4166235" y="560388"/>
+            <a:ext cx="3498652" cy="274637"/>
           </a:xfrm>
         </p:spPr>
         <p:txBody>
@@ -1490,39 +1490,39 @@
           <a:lstStyle>
             <a:lvl1pPr marL="0" indent="0">
               <a:buNone/>
-              <a:defRPr sz="1120" b="1"/>
+              <a:defRPr sz="800" b="1"/>
             </a:lvl1pPr>
-            <a:lvl2pPr marL="213375" indent="0">
-              <a:buNone/>
-              <a:defRPr sz="933" b="1"/>
+            <a:lvl2pPr marL="152385" indent="0">
+              <a:buNone/>
+              <a:defRPr sz="667" b="1"/>
             </a:lvl2pPr>
-            <a:lvl3pPr marL="426750" indent="0">
-              <a:buNone/>
-              <a:defRPr sz="840" b="1"/>
+            <a:lvl3pPr marL="304770" indent="0">
+              <a:buNone/>
+              <a:defRPr sz="600" b="1"/>
             </a:lvl3pPr>
-            <a:lvl4pPr marL="640126" indent="0">
-              <a:buNone/>
-              <a:defRPr sz="747" b="1"/>
+            <a:lvl4pPr marL="457154" indent="0">
+              <a:buNone/>
+              <a:defRPr sz="533" b="1"/>
             </a:lvl4pPr>
-            <a:lvl5pPr marL="853501" indent="0">
-              <a:buNone/>
-              <a:defRPr sz="747" b="1"/>
+            <a:lvl5pPr marL="609539" indent="0">
+              <a:buNone/>
+              <a:defRPr sz="533" b="1"/>
             </a:lvl5pPr>
-            <a:lvl6pPr marL="1066876" indent="0">
-              <a:buNone/>
-              <a:defRPr sz="747" b="1"/>
+            <a:lvl6pPr marL="761924" indent="0">
+              <a:buNone/>
+              <a:defRPr sz="533" b="1"/>
             </a:lvl6pPr>
-            <a:lvl7pPr marL="1280251" indent="0">
-              <a:buNone/>
-              <a:defRPr sz="747" b="1"/>
+            <a:lvl7pPr marL="914309" indent="0">
+              <a:buNone/>
+              <a:defRPr sz="533" b="1"/>
             </a:lvl7pPr>
-            <a:lvl8pPr marL="1493627" indent="0">
-              <a:buNone/>
-              <a:defRPr sz="747" b="1"/>
+            <a:lvl8pPr marL="1066693" indent="0">
+              <a:buNone/>
+              <a:defRPr sz="533" b="1"/>
             </a:lvl8pPr>
-            <a:lvl9pPr marL="1707002" indent="0">
-              <a:buNone/>
-              <a:defRPr sz="747" b="1"/>
+            <a:lvl9pPr marL="1219078" indent="0">
+              <a:buNone/>
+              <a:defRPr sz="533" b="1"/>
             </a:lvl9pPr>
           </a:lstStyle>
           <a:p>
@@ -1546,8 +1546,8 @@
         </p:nvSpPr>
         <p:spPr>
           <a:xfrm>
-            <a:off x="4490115" y="1169035"/>
-            <a:ext cx="3770635" cy="1719474"/>
+            <a:off x="4166235" y="835025"/>
+            <a:ext cx="3498652" cy="1228196"/>
           </a:xfrm>
         </p:spPr>
         <p:txBody>
@@ -1659,7 +1659,7 @@
     </p:spTree>
     <p:extLst>
       <p:ext uri="{BB962C8B-B14F-4D97-AF65-F5344CB8AC3E}">
-        <p14:creationId xmlns:p14="http://schemas.microsoft.com/office/powerpoint/2010/main" val="3989062633"/>
+        <p14:creationId xmlns:p14="http://schemas.microsoft.com/office/powerpoint/2010/main" val="2765639258"/>
       </p:ext>
     </p:extLst>
   </p:cSld>
@@ -1777,7 +1777,7 @@
     </p:spTree>
     <p:extLst>
       <p:ext uri="{BB962C8B-B14F-4D97-AF65-F5344CB8AC3E}">
-        <p14:creationId xmlns:p14="http://schemas.microsoft.com/office/powerpoint/2010/main" val="1205930388"/>
+        <p14:creationId xmlns:p14="http://schemas.microsoft.com/office/powerpoint/2010/main" val="4109883778"/>
       </p:ext>
     </p:extLst>
   </p:cSld>
@@ -1872,7 +1872,7 @@
     </p:spTree>
     <p:extLst>
       <p:ext uri="{BB962C8B-B14F-4D97-AF65-F5344CB8AC3E}">
-        <p14:creationId xmlns:p14="http://schemas.microsoft.com/office/powerpoint/2010/main" val="2881069119"/>
+        <p14:creationId xmlns:p14="http://schemas.microsoft.com/office/powerpoint/2010/main" val="2485742378"/>
       </p:ext>
     </p:extLst>
   </p:cSld>
@@ -1911,15 +1911,15 @@
         </p:nvSpPr>
         <p:spPr>
           <a:xfrm>
-            <a:off x="610924" y="213360"/>
-            <a:ext cx="2860600" cy="746760"/>
+            <a:off x="566857" y="152400"/>
+            <a:ext cx="2654260" cy="533400"/>
           </a:xfrm>
         </p:spPr>
         <p:txBody>
           <a:bodyPr anchor="b"/>
           <a:lstStyle>
             <a:lvl1pPr>
-              <a:defRPr sz="1493"/>
+              <a:defRPr sz="1067"/>
             </a:lvl1pPr>
           </a:lstStyle>
           <a:p>
@@ -1943,39 +1943,39 @@
         </p:nvSpPr>
         <p:spPr>
           <a:xfrm>
-            <a:off x="3770635" y="460799"/>
-            <a:ext cx="4490115" cy="2274358"/>
+            <a:off x="3498652" y="329142"/>
+            <a:ext cx="4166235" cy="1624542"/>
           </a:xfrm>
         </p:spPr>
         <p:txBody>
           <a:bodyPr/>
           <a:lstStyle>
             <a:lvl1pPr>
-              <a:defRPr sz="1493"/>
+              <a:defRPr sz="1067"/>
             </a:lvl1pPr>
             <a:lvl2pPr>
-              <a:defRPr sz="1307"/>
+              <a:defRPr sz="933"/>
             </a:lvl2pPr>
             <a:lvl3pPr>
-              <a:defRPr sz="1120"/>
+              <a:defRPr sz="800"/>
             </a:lvl3pPr>
             <a:lvl4pPr>
-              <a:defRPr sz="933"/>
+              <a:defRPr sz="667"/>
             </a:lvl4pPr>
             <a:lvl5pPr>
-              <a:defRPr sz="933"/>
+              <a:defRPr sz="667"/>
             </a:lvl5pPr>
             <a:lvl6pPr>
-              <a:defRPr sz="933"/>
+              <a:defRPr sz="667"/>
             </a:lvl6pPr>
             <a:lvl7pPr>
-              <a:defRPr sz="933"/>
+              <a:defRPr sz="667"/>
             </a:lvl7pPr>
             <a:lvl8pPr>
-              <a:defRPr sz="933"/>
+              <a:defRPr sz="667"/>
             </a:lvl8pPr>
             <a:lvl9pPr>
-              <a:defRPr sz="933"/>
+              <a:defRPr sz="667"/>
             </a:lvl9pPr>
           </a:lstStyle>
           <a:p>
@@ -2028,8 +2028,8 @@
         </p:nvSpPr>
         <p:spPr>
           <a:xfrm>
-            <a:off x="610924" y="960120"/>
-            <a:ext cx="2860600" cy="1778741"/>
+            <a:off x="566857" y="685800"/>
+            <a:ext cx="2654260" cy="1270529"/>
           </a:xfrm>
         </p:spPr>
         <p:txBody>
@@ -2037,39 +2037,39 @@
           <a:lstStyle>
             <a:lvl1pPr marL="0" indent="0">
               <a:buNone/>
-              <a:defRPr sz="747"/>
+              <a:defRPr sz="533"/>
             </a:lvl1pPr>
-            <a:lvl2pPr marL="213375" indent="0">
-              <a:buNone/>
-              <a:defRPr sz="653"/>
+            <a:lvl2pPr marL="152385" indent="0">
+              <a:buNone/>
+              <a:defRPr sz="467"/>
             </a:lvl2pPr>
-            <a:lvl3pPr marL="426750" indent="0">
-              <a:buNone/>
-              <a:defRPr sz="560"/>
+            <a:lvl3pPr marL="304770" indent="0">
+              <a:buNone/>
+              <a:defRPr sz="400"/>
             </a:lvl3pPr>
-            <a:lvl4pPr marL="640126" indent="0">
-              <a:buNone/>
-              <a:defRPr sz="467"/>
+            <a:lvl4pPr marL="457154" indent="0">
+              <a:buNone/>
+              <a:defRPr sz="333"/>
             </a:lvl4pPr>
-            <a:lvl5pPr marL="853501" indent="0">
-              <a:buNone/>
-              <a:defRPr sz="467"/>
+            <a:lvl5pPr marL="609539" indent="0">
+              <a:buNone/>
+              <a:defRPr sz="333"/>
             </a:lvl5pPr>
-            <a:lvl6pPr marL="1066876" indent="0">
-              <a:buNone/>
-              <a:defRPr sz="467"/>
+            <a:lvl6pPr marL="761924" indent="0">
+              <a:buNone/>
+              <a:defRPr sz="333"/>
             </a:lvl6pPr>
-            <a:lvl7pPr marL="1280251" indent="0">
-              <a:buNone/>
-              <a:defRPr sz="467"/>
+            <a:lvl7pPr marL="914309" indent="0">
+              <a:buNone/>
+              <a:defRPr sz="333"/>
             </a:lvl7pPr>
-            <a:lvl8pPr marL="1493627" indent="0">
-              <a:buNone/>
-              <a:defRPr sz="467"/>
+            <a:lvl8pPr marL="1066693" indent="0">
+              <a:buNone/>
+              <a:defRPr sz="333"/>
             </a:lvl8pPr>
-            <a:lvl9pPr marL="1707002" indent="0">
-              <a:buNone/>
-              <a:defRPr sz="467"/>
+            <a:lvl9pPr marL="1219078" indent="0">
+              <a:buNone/>
+              <a:defRPr sz="333"/>
             </a:lvl9pPr>
           </a:lstStyle>
           <a:p>
@@ -2149,7 +2149,7 @@
     </p:spTree>
     <p:extLst>
       <p:ext uri="{BB962C8B-B14F-4D97-AF65-F5344CB8AC3E}">
-        <p14:creationId xmlns:p14="http://schemas.microsoft.com/office/powerpoint/2010/main" val="1788508237"/>
+        <p14:creationId xmlns:p14="http://schemas.microsoft.com/office/powerpoint/2010/main" val="1934125023"/>
       </p:ext>
     </p:extLst>
   </p:cSld>
@@ -2188,15 +2188,15 @@
         </p:nvSpPr>
         <p:spPr>
           <a:xfrm>
-            <a:off x="610924" y="213360"/>
-            <a:ext cx="2860600" cy="746760"/>
+            <a:off x="566857" y="152400"/>
+            <a:ext cx="2654260" cy="533400"/>
           </a:xfrm>
         </p:spPr>
         <p:txBody>
           <a:bodyPr anchor="b"/>
           <a:lstStyle>
             <a:lvl1pPr>
-              <a:defRPr sz="1493"/>
+              <a:defRPr sz="1067"/>
             </a:lvl1pPr>
           </a:lstStyle>
           <a:p>
@@ -2220,8 +2220,8 @@
         </p:nvSpPr>
         <p:spPr>
           <a:xfrm>
-            <a:off x="3770635" y="460799"/>
-            <a:ext cx="4490115" cy="2274358"/>
+            <a:off x="3498652" y="329142"/>
+            <a:ext cx="4166235" cy="1624542"/>
           </a:xfrm>
         </p:spPr>
         <p:txBody>
@@ -2229,39 +2229,39 @@
           <a:lstStyle>
             <a:lvl1pPr marL="0" indent="0">
               <a:buNone/>
-              <a:defRPr sz="1493"/>
+              <a:defRPr sz="1067"/>
             </a:lvl1pPr>
-            <a:lvl2pPr marL="213375" indent="0">
-              <a:buNone/>
-              <a:defRPr sz="1307"/>
+            <a:lvl2pPr marL="152385" indent="0">
+              <a:buNone/>
+              <a:defRPr sz="933"/>
             </a:lvl2pPr>
-            <a:lvl3pPr marL="426750" indent="0">
-              <a:buNone/>
-              <a:defRPr sz="1120"/>
+            <a:lvl3pPr marL="304770" indent="0">
+              <a:buNone/>
+              <a:defRPr sz="800"/>
             </a:lvl3pPr>
-            <a:lvl4pPr marL="640126" indent="0">
-              <a:buNone/>
-              <a:defRPr sz="933"/>
+            <a:lvl4pPr marL="457154" indent="0">
+              <a:buNone/>
+              <a:defRPr sz="667"/>
             </a:lvl4pPr>
-            <a:lvl5pPr marL="853501" indent="0">
-              <a:buNone/>
-              <a:defRPr sz="933"/>
+            <a:lvl5pPr marL="609539" indent="0">
+              <a:buNone/>
+              <a:defRPr sz="667"/>
             </a:lvl5pPr>
-            <a:lvl6pPr marL="1066876" indent="0">
-              <a:buNone/>
-              <a:defRPr sz="933"/>
+            <a:lvl6pPr marL="761924" indent="0">
+              <a:buNone/>
+              <a:defRPr sz="667"/>
             </a:lvl6pPr>
-            <a:lvl7pPr marL="1280251" indent="0">
-              <a:buNone/>
-              <a:defRPr sz="933"/>
+            <a:lvl7pPr marL="914309" indent="0">
+              <a:buNone/>
+              <a:defRPr sz="667"/>
             </a:lvl7pPr>
-            <a:lvl8pPr marL="1493627" indent="0">
-              <a:buNone/>
-              <a:defRPr sz="933"/>
+            <a:lvl8pPr marL="1066693" indent="0">
+              <a:buNone/>
+              <a:defRPr sz="667"/>
             </a:lvl8pPr>
-            <a:lvl9pPr marL="1707002" indent="0">
-              <a:buNone/>
-              <a:defRPr sz="933"/>
+            <a:lvl9pPr marL="1219078" indent="0">
+              <a:buNone/>
+              <a:defRPr sz="667"/>
             </a:lvl9pPr>
           </a:lstStyle>
           <a:p>
@@ -2285,8 +2285,8 @@
         </p:nvSpPr>
         <p:spPr>
           <a:xfrm>
-            <a:off x="610924" y="960120"/>
-            <a:ext cx="2860600" cy="1778741"/>
+            <a:off x="566857" y="685800"/>
+            <a:ext cx="2654260" cy="1270529"/>
           </a:xfrm>
         </p:spPr>
         <p:txBody>
@@ -2294,39 +2294,39 @@
           <a:lstStyle>
             <a:lvl1pPr marL="0" indent="0">
               <a:buNone/>
-              <a:defRPr sz="747"/>
+              <a:defRPr sz="533"/>
             </a:lvl1pPr>
-            <a:lvl2pPr marL="213375" indent="0">
-              <a:buNone/>
-              <a:defRPr sz="653"/>
+            <a:lvl2pPr marL="152385" indent="0">
+              <a:buNone/>
+              <a:defRPr sz="467"/>
             </a:lvl2pPr>
-            <a:lvl3pPr marL="426750" indent="0">
-              <a:buNone/>
-              <a:defRPr sz="560"/>
+            <a:lvl3pPr marL="304770" indent="0">
+              <a:buNone/>
+              <a:defRPr sz="400"/>
             </a:lvl3pPr>
-            <a:lvl4pPr marL="640126" indent="0">
-              <a:buNone/>
-              <a:defRPr sz="467"/>
+            <a:lvl4pPr marL="457154" indent="0">
+              <a:buNone/>
+              <a:defRPr sz="333"/>
             </a:lvl4pPr>
-            <a:lvl5pPr marL="853501" indent="0">
-              <a:buNone/>
-              <a:defRPr sz="467"/>
+            <a:lvl5pPr marL="609539" indent="0">
+              <a:buNone/>
+              <a:defRPr sz="333"/>
             </a:lvl5pPr>
-            <a:lvl6pPr marL="1066876" indent="0">
-              <a:buNone/>
-              <a:defRPr sz="467"/>
+            <a:lvl6pPr marL="761924" indent="0">
+              <a:buNone/>
+              <a:defRPr sz="333"/>
             </a:lvl6pPr>
-            <a:lvl7pPr marL="1280251" indent="0">
-              <a:buNone/>
-              <a:defRPr sz="467"/>
+            <a:lvl7pPr marL="914309" indent="0">
+              <a:buNone/>
+              <a:defRPr sz="333"/>
             </a:lvl7pPr>
-            <a:lvl8pPr marL="1493627" indent="0">
-              <a:buNone/>
-              <a:defRPr sz="467"/>
+            <a:lvl8pPr marL="1066693" indent="0">
+              <a:buNone/>
+              <a:defRPr sz="333"/>
             </a:lvl8pPr>
-            <a:lvl9pPr marL="1707002" indent="0">
-              <a:buNone/>
-              <a:defRPr sz="467"/>
+            <a:lvl9pPr marL="1219078" indent="0">
+              <a:buNone/>
+              <a:defRPr sz="333"/>
             </a:lvl9pPr>
           </a:lstStyle>
           <a:p>
@@ -2406,7 +2406,7 @@
     </p:spTree>
     <p:extLst>
       <p:ext uri="{BB962C8B-B14F-4D97-AF65-F5344CB8AC3E}">
-        <p14:creationId xmlns:p14="http://schemas.microsoft.com/office/powerpoint/2010/main" val="4221570650"/>
+        <p14:creationId xmlns:p14="http://schemas.microsoft.com/office/powerpoint/2010/main" val="3029746073"/>
       </p:ext>
     </p:extLst>
   </p:cSld>
@@ -2450,8 +2450,8 @@
         </p:nvSpPr>
         <p:spPr>
           <a:xfrm>
-            <a:off x="609769" y="170392"/>
-            <a:ext cx="7649826" cy="618596"/>
+            <a:off x="565785" y="121709"/>
+            <a:ext cx="7098030" cy="441854"/>
           </a:xfrm>
           <a:prstGeom prst="rect">
             <a:avLst/>
@@ -2483,8 +2483,8 @@
         </p:nvSpPr>
         <p:spPr>
           <a:xfrm>
-            <a:off x="609769" y="851959"/>
-            <a:ext cx="7649826" cy="2030624"/>
+            <a:off x="565785" y="608542"/>
+            <a:ext cx="7098030" cy="1450446"/>
           </a:xfrm>
           <a:prstGeom prst="rect">
             <a:avLst/>
@@ -2545,8 +2545,8 @@
         </p:nvSpPr>
         <p:spPr>
           <a:xfrm>
-            <a:off x="609769" y="2966297"/>
-            <a:ext cx="1995607" cy="170392"/>
+            <a:off x="565785" y="2118784"/>
+            <a:ext cx="1851660" cy="121708"/>
           </a:xfrm>
           <a:prstGeom prst="rect">
             <a:avLst/>
@@ -2556,7 +2556,7 @@
           <a:bodyPr vert="horz" lIns="91440" tIns="45720" rIns="91440" bIns="45720" rtlCol="0" anchor="ctr"/>
           <a:lstStyle>
             <a:lvl1pPr algn="l">
-              <a:defRPr sz="560">
+              <a:defRPr sz="400">
                 <a:solidFill>
                   <a:schemeClr val="tx1">
                     <a:tint val="75000"/>
@@ -2586,8 +2586,8 @@
         </p:nvSpPr>
         <p:spPr>
           <a:xfrm>
-            <a:off x="2937977" y="2966297"/>
-            <a:ext cx="2993410" cy="170392"/>
+            <a:off x="2726055" y="2118784"/>
+            <a:ext cx="2777490" cy="121708"/>
           </a:xfrm>
           <a:prstGeom prst="rect">
             <a:avLst/>
@@ -2597,7 +2597,7 @@
           <a:bodyPr vert="horz" lIns="91440" tIns="45720" rIns="91440" bIns="45720" rtlCol="0" anchor="ctr"/>
           <a:lstStyle>
             <a:lvl1pPr algn="ctr">
-              <a:defRPr sz="560">
+              <a:defRPr sz="400">
                 <a:solidFill>
                   <a:schemeClr val="tx1">
                     <a:tint val="75000"/>
@@ -2623,8 +2623,8 @@
         </p:nvSpPr>
         <p:spPr>
           <a:xfrm>
-            <a:off x="6263987" y="2966297"/>
-            <a:ext cx="1995607" cy="170392"/>
+            <a:off x="5812155" y="2118784"/>
+            <a:ext cx="1851660" cy="121708"/>
           </a:xfrm>
           <a:prstGeom prst="rect">
             <a:avLst/>
@@ -2634,7 +2634,7 @@
           <a:bodyPr vert="horz" lIns="91440" tIns="45720" rIns="91440" bIns="45720" rtlCol="0" anchor="ctr"/>
           <a:lstStyle>
             <a:lvl1pPr algn="r">
-              <a:defRPr sz="560">
+              <a:defRPr sz="400">
                 <a:solidFill>
                   <a:schemeClr val="tx1">
                     <a:tint val="75000"/>
@@ -2655,27 +2655,27 @@
     </p:spTree>
     <p:extLst>
       <p:ext uri="{BB962C8B-B14F-4D97-AF65-F5344CB8AC3E}">
-        <p14:creationId xmlns:p14="http://schemas.microsoft.com/office/powerpoint/2010/main" val="1871775371"/>
+        <p14:creationId xmlns:p14="http://schemas.microsoft.com/office/powerpoint/2010/main" val="3379490612"/>
       </p:ext>
     </p:extLst>
   </p:cSld>
   <p:clrMap bg1="lt1" tx1="dk1" bg2="lt2" tx2="dk2" accent1="accent1" accent2="accent2" accent3="accent3" accent4="accent4" accent5="accent5" accent6="accent6" hlink="hlink" folHlink="folHlink"/>
   <p:sldLayoutIdLst>
-    <p:sldLayoutId id="2147483733" r:id="rId1"/>
-    <p:sldLayoutId id="2147483734" r:id="rId2"/>
-    <p:sldLayoutId id="2147483735" r:id="rId3"/>
-    <p:sldLayoutId id="2147483736" r:id="rId4"/>
-    <p:sldLayoutId id="2147483737" r:id="rId5"/>
-    <p:sldLayoutId id="2147483738" r:id="rId6"/>
-    <p:sldLayoutId id="2147483739" r:id="rId7"/>
-    <p:sldLayoutId id="2147483740" r:id="rId8"/>
-    <p:sldLayoutId id="2147483741" r:id="rId9"/>
-    <p:sldLayoutId id="2147483742" r:id="rId10"/>
-    <p:sldLayoutId id="2147483743" r:id="rId11"/>
+    <p:sldLayoutId id="2147483757" r:id="rId1"/>
+    <p:sldLayoutId id="2147483758" r:id="rId2"/>
+    <p:sldLayoutId id="2147483759" r:id="rId3"/>
+    <p:sldLayoutId id="2147483760" r:id="rId4"/>
+    <p:sldLayoutId id="2147483761" r:id="rId5"/>
+    <p:sldLayoutId id="2147483762" r:id="rId6"/>
+    <p:sldLayoutId id="2147483763" r:id="rId7"/>
+    <p:sldLayoutId id="2147483764" r:id="rId8"/>
+    <p:sldLayoutId id="2147483765" r:id="rId9"/>
+    <p:sldLayoutId id="2147483766" r:id="rId10"/>
+    <p:sldLayoutId id="2147483767" r:id="rId11"/>
   </p:sldLayoutIdLst>
   <p:txStyles>
     <p:titleStyle>
-      <a:lvl1pPr algn="l" defTabSz="426750" rtl="0" eaLnBrk="1" latinLnBrk="0" hangingPunct="1">
+      <a:lvl1pPr algn="l" defTabSz="304770" rtl="0" eaLnBrk="1" latinLnBrk="0" hangingPunct="1">
         <a:lnSpc>
           <a:spcPct val="90000"/>
         </a:lnSpc>
@@ -2683,7 +2683,7 @@
           <a:spcPct val="0"/>
         </a:spcBef>
         <a:buNone/>
-        <a:defRPr sz="2053" kern="1200">
+        <a:defRPr sz="1467" kern="1200">
           <a:solidFill>
             <a:schemeClr val="tx1"/>
           </a:solidFill>
@@ -2694,48 +2694,12 @@
       </a:lvl1pPr>
     </p:titleStyle>
     <p:bodyStyle>
-      <a:lvl1pPr marL="106688" indent="-106688" algn="l" defTabSz="426750" rtl="0" eaLnBrk="1" latinLnBrk="0" hangingPunct="1">
+      <a:lvl1pPr marL="76192" indent="-76192" algn="l" defTabSz="304770" rtl="0" eaLnBrk="1" latinLnBrk="0" hangingPunct="1">
         <a:lnSpc>
           <a:spcPct val="90000"/>
         </a:lnSpc>
         <a:spcBef>
-          <a:spcPts val="467"/>
-        </a:spcBef>
-        <a:buFont typeface="Arial" panose="020B0604020202020204" pitchFamily="34" charset="0"/>
-        <a:buChar char="•"/>
-        <a:defRPr sz="1307" kern="1200">
-          <a:solidFill>
-            <a:schemeClr val="tx1"/>
-          </a:solidFill>
-          <a:latin typeface="+mn-lt"/>
-          <a:ea typeface="+mn-ea"/>
-          <a:cs typeface="+mn-cs"/>
-        </a:defRPr>
-      </a:lvl1pPr>
-      <a:lvl2pPr marL="320063" indent="-106688" algn="l" defTabSz="426750" rtl="0" eaLnBrk="1" latinLnBrk="0" hangingPunct="1">
-        <a:lnSpc>
-          <a:spcPct val="90000"/>
-        </a:lnSpc>
-        <a:spcBef>
-          <a:spcPts val="233"/>
-        </a:spcBef>
-        <a:buFont typeface="Arial" panose="020B0604020202020204" pitchFamily="34" charset="0"/>
-        <a:buChar char="•"/>
-        <a:defRPr sz="1120" kern="1200">
-          <a:solidFill>
-            <a:schemeClr val="tx1"/>
-          </a:solidFill>
-          <a:latin typeface="+mn-lt"/>
-          <a:ea typeface="+mn-ea"/>
-          <a:cs typeface="+mn-cs"/>
-        </a:defRPr>
-      </a:lvl2pPr>
-      <a:lvl3pPr marL="533438" indent="-106688" algn="l" defTabSz="426750" rtl="0" eaLnBrk="1" latinLnBrk="0" hangingPunct="1">
-        <a:lnSpc>
-          <a:spcPct val="90000"/>
-        </a:lnSpc>
-        <a:spcBef>
-          <a:spcPts val="233"/>
+          <a:spcPts val="333"/>
         </a:spcBef>
         <a:buFont typeface="Arial" panose="020B0604020202020204" pitchFamily="34" charset="0"/>
         <a:buChar char="•"/>
@@ -2747,17 +2711,53 @@
           <a:ea typeface="+mn-ea"/>
           <a:cs typeface="+mn-cs"/>
         </a:defRPr>
-      </a:lvl3pPr>
-      <a:lvl4pPr marL="746813" indent="-106688" algn="l" defTabSz="426750" rtl="0" eaLnBrk="1" latinLnBrk="0" hangingPunct="1">
+      </a:lvl1pPr>
+      <a:lvl2pPr marL="228577" indent="-76192" algn="l" defTabSz="304770" rtl="0" eaLnBrk="1" latinLnBrk="0" hangingPunct="1">
         <a:lnSpc>
           <a:spcPct val="90000"/>
         </a:lnSpc>
         <a:spcBef>
-          <a:spcPts val="233"/>
+          <a:spcPts val="167"/>
         </a:spcBef>
         <a:buFont typeface="Arial" panose="020B0604020202020204" pitchFamily="34" charset="0"/>
         <a:buChar char="•"/>
-        <a:defRPr sz="840" kern="1200">
+        <a:defRPr sz="800" kern="1200">
+          <a:solidFill>
+            <a:schemeClr val="tx1"/>
+          </a:solidFill>
+          <a:latin typeface="+mn-lt"/>
+          <a:ea typeface="+mn-ea"/>
+          <a:cs typeface="+mn-cs"/>
+        </a:defRPr>
+      </a:lvl2pPr>
+      <a:lvl3pPr marL="380962" indent="-76192" algn="l" defTabSz="304770" rtl="0" eaLnBrk="1" latinLnBrk="0" hangingPunct="1">
+        <a:lnSpc>
+          <a:spcPct val="90000"/>
+        </a:lnSpc>
+        <a:spcBef>
+          <a:spcPts val="167"/>
+        </a:spcBef>
+        <a:buFont typeface="Arial" panose="020B0604020202020204" pitchFamily="34" charset="0"/>
+        <a:buChar char="•"/>
+        <a:defRPr sz="667" kern="1200">
+          <a:solidFill>
+            <a:schemeClr val="tx1"/>
+          </a:solidFill>
+          <a:latin typeface="+mn-lt"/>
+          <a:ea typeface="+mn-ea"/>
+          <a:cs typeface="+mn-cs"/>
+        </a:defRPr>
+      </a:lvl3pPr>
+      <a:lvl4pPr marL="533347" indent="-76192" algn="l" defTabSz="304770" rtl="0" eaLnBrk="1" latinLnBrk="0" hangingPunct="1">
+        <a:lnSpc>
+          <a:spcPct val="90000"/>
+        </a:lnSpc>
+        <a:spcBef>
+          <a:spcPts val="167"/>
+        </a:spcBef>
+        <a:buFont typeface="Arial" panose="020B0604020202020204" pitchFamily="34" charset="0"/>
+        <a:buChar char="•"/>
+        <a:defRPr sz="600" kern="1200">
           <a:solidFill>
             <a:schemeClr val="tx1"/>
           </a:solidFill>
@@ -2766,16 +2766,16 @@
           <a:cs typeface="+mn-cs"/>
         </a:defRPr>
       </a:lvl4pPr>
-      <a:lvl5pPr marL="960189" indent="-106688" algn="l" defTabSz="426750" rtl="0" eaLnBrk="1" latinLnBrk="0" hangingPunct="1">
+      <a:lvl5pPr marL="685731" indent="-76192" algn="l" defTabSz="304770" rtl="0" eaLnBrk="1" latinLnBrk="0" hangingPunct="1">
         <a:lnSpc>
           <a:spcPct val="90000"/>
         </a:lnSpc>
         <a:spcBef>
-          <a:spcPts val="233"/>
+          <a:spcPts val="167"/>
         </a:spcBef>
         <a:buFont typeface="Arial" panose="020B0604020202020204" pitchFamily="34" charset="0"/>
         <a:buChar char="•"/>
-        <a:defRPr sz="840" kern="1200">
+        <a:defRPr sz="600" kern="1200">
           <a:solidFill>
             <a:schemeClr val="tx1"/>
           </a:solidFill>
@@ -2784,16 +2784,16 @@
           <a:cs typeface="+mn-cs"/>
         </a:defRPr>
       </a:lvl5pPr>
-      <a:lvl6pPr marL="1173564" indent="-106688" algn="l" defTabSz="426750" rtl="0" eaLnBrk="1" latinLnBrk="0" hangingPunct="1">
+      <a:lvl6pPr marL="838116" indent="-76192" algn="l" defTabSz="304770" rtl="0" eaLnBrk="1" latinLnBrk="0" hangingPunct="1">
         <a:lnSpc>
           <a:spcPct val="90000"/>
         </a:lnSpc>
         <a:spcBef>
-          <a:spcPts val="233"/>
+          <a:spcPts val="167"/>
         </a:spcBef>
         <a:buFont typeface="Arial" panose="020B0604020202020204" pitchFamily="34" charset="0"/>
         <a:buChar char="•"/>
-        <a:defRPr sz="840" kern="1200">
+        <a:defRPr sz="600" kern="1200">
           <a:solidFill>
             <a:schemeClr val="tx1"/>
           </a:solidFill>
@@ -2802,16 +2802,16 @@
           <a:cs typeface="+mn-cs"/>
         </a:defRPr>
       </a:lvl6pPr>
-      <a:lvl7pPr marL="1386939" indent="-106688" algn="l" defTabSz="426750" rtl="0" eaLnBrk="1" latinLnBrk="0" hangingPunct="1">
+      <a:lvl7pPr marL="990501" indent="-76192" algn="l" defTabSz="304770" rtl="0" eaLnBrk="1" latinLnBrk="0" hangingPunct="1">
         <a:lnSpc>
           <a:spcPct val="90000"/>
         </a:lnSpc>
         <a:spcBef>
-          <a:spcPts val="233"/>
+          <a:spcPts val="167"/>
         </a:spcBef>
         <a:buFont typeface="Arial" panose="020B0604020202020204" pitchFamily="34" charset="0"/>
         <a:buChar char="•"/>
-        <a:defRPr sz="840" kern="1200">
+        <a:defRPr sz="600" kern="1200">
           <a:solidFill>
             <a:schemeClr val="tx1"/>
           </a:solidFill>
@@ -2820,16 +2820,16 @@
           <a:cs typeface="+mn-cs"/>
         </a:defRPr>
       </a:lvl7pPr>
-      <a:lvl8pPr marL="1600314" indent="-106688" algn="l" defTabSz="426750" rtl="0" eaLnBrk="1" latinLnBrk="0" hangingPunct="1">
+      <a:lvl8pPr marL="1142886" indent="-76192" algn="l" defTabSz="304770" rtl="0" eaLnBrk="1" latinLnBrk="0" hangingPunct="1">
         <a:lnSpc>
           <a:spcPct val="90000"/>
         </a:lnSpc>
         <a:spcBef>
-          <a:spcPts val="233"/>
+          <a:spcPts val="167"/>
         </a:spcBef>
         <a:buFont typeface="Arial" panose="020B0604020202020204" pitchFamily="34" charset="0"/>
         <a:buChar char="•"/>
-        <a:defRPr sz="840" kern="1200">
+        <a:defRPr sz="600" kern="1200">
           <a:solidFill>
             <a:schemeClr val="tx1"/>
           </a:solidFill>
@@ -2838,16 +2838,16 @@
           <a:cs typeface="+mn-cs"/>
         </a:defRPr>
       </a:lvl8pPr>
-      <a:lvl9pPr marL="1813690" indent="-106688" algn="l" defTabSz="426750" rtl="0" eaLnBrk="1" latinLnBrk="0" hangingPunct="1">
+      <a:lvl9pPr marL="1295270" indent="-76192" algn="l" defTabSz="304770" rtl="0" eaLnBrk="1" latinLnBrk="0" hangingPunct="1">
         <a:lnSpc>
           <a:spcPct val="90000"/>
         </a:lnSpc>
         <a:spcBef>
-          <a:spcPts val="233"/>
+          <a:spcPts val="167"/>
         </a:spcBef>
         <a:buFont typeface="Arial" panose="020B0604020202020204" pitchFamily="34" charset="0"/>
         <a:buChar char="•"/>
-        <a:defRPr sz="840" kern="1200">
+        <a:defRPr sz="600" kern="1200">
           <a:solidFill>
             <a:schemeClr val="tx1"/>
           </a:solidFill>
@@ -2861,8 +2861,8 @@
       <a:defPPr>
         <a:defRPr lang="en-US"/>
       </a:defPPr>
-      <a:lvl1pPr marL="0" algn="l" defTabSz="426750" rtl="0" eaLnBrk="1" latinLnBrk="0" hangingPunct="1">
-        <a:defRPr sz="840" kern="1200">
+      <a:lvl1pPr marL="0" algn="l" defTabSz="304770" rtl="0" eaLnBrk="1" latinLnBrk="0" hangingPunct="1">
+        <a:defRPr sz="600" kern="1200">
           <a:solidFill>
             <a:schemeClr val="tx1"/>
           </a:solidFill>
@@ -2871,8 +2871,8 @@
           <a:cs typeface="+mn-cs"/>
         </a:defRPr>
       </a:lvl1pPr>
-      <a:lvl2pPr marL="213375" algn="l" defTabSz="426750" rtl="0" eaLnBrk="1" latinLnBrk="0" hangingPunct="1">
-        <a:defRPr sz="840" kern="1200">
+      <a:lvl2pPr marL="152385" algn="l" defTabSz="304770" rtl="0" eaLnBrk="1" latinLnBrk="0" hangingPunct="1">
+        <a:defRPr sz="600" kern="1200">
           <a:solidFill>
             <a:schemeClr val="tx1"/>
           </a:solidFill>
@@ -2881,8 +2881,8 @@
           <a:cs typeface="+mn-cs"/>
         </a:defRPr>
       </a:lvl2pPr>
-      <a:lvl3pPr marL="426750" algn="l" defTabSz="426750" rtl="0" eaLnBrk="1" latinLnBrk="0" hangingPunct="1">
-        <a:defRPr sz="840" kern="1200">
+      <a:lvl3pPr marL="304770" algn="l" defTabSz="304770" rtl="0" eaLnBrk="1" latinLnBrk="0" hangingPunct="1">
+        <a:defRPr sz="600" kern="1200">
           <a:solidFill>
             <a:schemeClr val="tx1"/>
           </a:solidFill>
@@ -2891,8 +2891,8 @@
           <a:cs typeface="+mn-cs"/>
         </a:defRPr>
       </a:lvl3pPr>
-      <a:lvl4pPr marL="640126" algn="l" defTabSz="426750" rtl="0" eaLnBrk="1" latinLnBrk="0" hangingPunct="1">
-        <a:defRPr sz="840" kern="1200">
+      <a:lvl4pPr marL="457154" algn="l" defTabSz="304770" rtl="0" eaLnBrk="1" latinLnBrk="0" hangingPunct="1">
+        <a:defRPr sz="600" kern="1200">
           <a:solidFill>
             <a:schemeClr val="tx1"/>
           </a:solidFill>
@@ -2901,8 +2901,8 @@
           <a:cs typeface="+mn-cs"/>
         </a:defRPr>
       </a:lvl4pPr>
-      <a:lvl5pPr marL="853501" algn="l" defTabSz="426750" rtl="0" eaLnBrk="1" latinLnBrk="0" hangingPunct="1">
-        <a:defRPr sz="840" kern="1200">
+      <a:lvl5pPr marL="609539" algn="l" defTabSz="304770" rtl="0" eaLnBrk="1" latinLnBrk="0" hangingPunct="1">
+        <a:defRPr sz="600" kern="1200">
           <a:solidFill>
             <a:schemeClr val="tx1"/>
           </a:solidFill>
@@ -2911,8 +2911,8 @@
           <a:cs typeface="+mn-cs"/>
         </a:defRPr>
       </a:lvl5pPr>
-      <a:lvl6pPr marL="1066876" algn="l" defTabSz="426750" rtl="0" eaLnBrk="1" latinLnBrk="0" hangingPunct="1">
-        <a:defRPr sz="840" kern="1200">
+      <a:lvl6pPr marL="761924" algn="l" defTabSz="304770" rtl="0" eaLnBrk="1" latinLnBrk="0" hangingPunct="1">
+        <a:defRPr sz="600" kern="1200">
           <a:solidFill>
             <a:schemeClr val="tx1"/>
           </a:solidFill>
@@ -2921,8 +2921,8 @@
           <a:cs typeface="+mn-cs"/>
         </a:defRPr>
       </a:lvl6pPr>
-      <a:lvl7pPr marL="1280251" algn="l" defTabSz="426750" rtl="0" eaLnBrk="1" latinLnBrk="0" hangingPunct="1">
-        <a:defRPr sz="840" kern="1200">
+      <a:lvl7pPr marL="914309" algn="l" defTabSz="304770" rtl="0" eaLnBrk="1" latinLnBrk="0" hangingPunct="1">
+        <a:defRPr sz="600" kern="1200">
           <a:solidFill>
             <a:schemeClr val="tx1"/>
           </a:solidFill>
@@ -2931,8 +2931,8 @@
           <a:cs typeface="+mn-cs"/>
         </a:defRPr>
       </a:lvl7pPr>
-      <a:lvl8pPr marL="1493627" algn="l" defTabSz="426750" rtl="0" eaLnBrk="1" latinLnBrk="0" hangingPunct="1">
-        <a:defRPr sz="840" kern="1200">
+      <a:lvl8pPr marL="1066693" algn="l" defTabSz="304770" rtl="0" eaLnBrk="1" latinLnBrk="0" hangingPunct="1">
+        <a:defRPr sz="600" kern="1200">
           <a:solidFill>
             <a:schemeClr val="tx1"/>
           </a:solidFill>
@@ -2941,8 +2941,8 @@
           <a:cs typeface="+mn-cs"/>
         </a:defRPr>
       </a:lvl8pPr>
-      <a:lvl9pPr marL="1707002" algn="l" defTabSz="426750" rtl="0" eaLnBrk="1" latinLnBrk="0" hangingPunct="1">
-        <a:defRPr sz="840" kern="1200">
+      <a:lvl9pPr marL="1219078" algn="l" defTabSz="304770" rtl="0" eaLnBrk="1" latinLnBrk="0" hangingPunct="1">
+        <a:defRPr sz="600" kern="1200">
           <a:solidFill>
             <a:schemeClr val="tx1"/>
           </a:solidFill>
@@ -2975,10 +2975,10 @@
       </p:grpSpPr>
       <p:pic>
         <p:nvPicPr>
-          <p:cNvPr id="6" name="Picture 5" descr="A screenshot of a cell phone&#10;&#10;Description automatically generated">
+          <p:cNvPr id="4" name="Picture 3" descr="A screenshot of a cell phone&#10;&#10;Description automatically generated">
             <a:extLst>
               <a:ext uri="{FF2B5EF4-FFF2-40B4-BE49-F238E27FC236}">
-                <a16:creationId xmlns:a16="http://schemas.microsoft.com/office/drawing/2014/main" id="{AF31A1F1-77AB-4AA9-BAD9-46845AC80FE4}"/>
+                <a16:creationId xmlns:a16="http://schemas.microsoft.com/office/drawing/2014/main" id="{87EBE3E1-114D-4577-82D6-F13E25FEE207}"/>
               </a:ext>
             </a:extLst>
           </p:cNvPr>
@@ -3001,8 +3001,8 @@
         </p:blipFill>
         <p:spPr>
           <a:xfrm>
-            <a:off x="1980216" y="0"/>
-            <a:ext cx="4384714" cy="3200400"/>
+            <a:off x="2415801" y="38120"/>
+            <a:ext cx="3027486" cy="2209760"/>
           </a:xfrm>
           <a:prstGeom prst="rect">
             <a:avLst/>
